--- a/java/slides/ppt/10 - Java Data Access (JDBC).pptx
+++ b/java/slides/ppt/10 - Java Data Access (JDBC).pptx
@@ -252,14 +252,14 @@
           <a:effectLst/>
           <a:extLst>
             <a:ext uri="{909E8E84-426E-40dd-AFC4-6F175D3DCCD1}">
-              <a14:hiddenFill xmlns:a14="http://schemas.microsoft.com/office/drawing/2010/main" xmlns="">
+              <a14:hiddenFill xmlns="" xmlns:a14="http://schemas.microsoft.com/office/drawing/2010/main">
                 <a:solidFill>
                   <a:schemeClr val="accent1"/>
                 </a:solidFill>
               </a14:hiddenFill>
             </a:ext>
             <a:ext uri="{91240B29-F687-4f45-9708-019B960494DF}">
-              <a14:hiddenLine xmlns:a14="http://schemas.microsoft.com/office/drawing/2010/main" xmlns="" w="9525">
+              <a14:hiddenLine xmlns="" xmlns:a14="http://schemas.microsoft.com/office/drawing/2010/main" w="9525">
                 <a:solidFill>
                   <a:schemeClr val="tx1"/>
                 </a:solidFill>
@@ -269,7 +269,7 @@
               </a14:hiddenLine>
             </a:ext>
             <a:ext uri="{AF507438-7753-43e0-B8FC-AC1667EBCBE1}">
-              <a14:hiddenEffects xmlns:a14="http://schemas.microsoft.com/office/drawing/2010/main" xmlns="">
+              <a14:hiddenEffects xmlns="" xmlns:a14="http://schemas.microsoft.com/office/drawing/2010/main">
                 <a:effectLst>
                   <a:outerShdw blurRad="63500" dist="38099" dir="2700000" algn="ctr" rotWithShape="0">
                     <a:schemeClr val="bg2">
@@ -280,7 +280,7 @@
               </a14:hiddenEffects>
             </a:ext>
             <a:ext uri="{FAA26D3D-D897-4be2-8F04-BA451C77F1D7}">
-              <ma14:placeholderFlag xmlns:ma14="http://schemas.microsoft.com/office/mac/drawingml/2011/main" xmlns="" val="1"/>
+              <ma14:placeholderFlag xmlns="" xmlns:ma14="http://schemas.microsoft.com/office/mac/drawingml/2011/main" val="1"/>
             </a:ext>
           </a:extLst>
         </p:spPr>
@@ -325,14 +325,14 @@
           <a:effectLst/>
           <a:extLst>
             <a:ext uri="{909E8E84-426E-40dd-AFC4-6F175D3DCCD1}">
-              <a14:hiddenFill xmlns:a14="http://schemas.microsoft.com/office/drawing/2010/main" xmlns="">
+              <a14:hiddenFill xmlns="" xmlns:a14="http://schemas.microsoft.com/office/drawing/2010/main">
                 <a:solidFill>
                   <a:schemeClr val="accent1"/>
                 </a:solidFill>
               </a14:hiddenFill>
             </a:ext>
             <a:ext uri="{91240B29-F687-4f45-9708-019B960494DF}">
-              <a14:hiddenLine xmlns:a14="http://schemas.microsoft.com/office/drawing/2010/main" xmlns="" w="9525">
+              <a14:hiddenLine xmlns="" xmlns:a14="http://schemas.microsoft.com/office/drawing/2010/main" w="9525">
                 <a:solidFill>
                   <a:schemeClr val="tx1"/>
                 </a:solidFill>
@@ -342,7 +342,7 @@
               </a14:hiddenLine>
             </a:ext>
             <a:ext uri="{AF507438-7753-43e0-B8FC-AC1667EBCBE1}">
-              <a14:hiddenEffects xmlns:a14="http://schemas.microsoft.com/office/drawing/2010/main" xmlns="">
+              <a14:hiddenEffects xmlns="" xmlns:a14="http://schemas.microsoft.com/office/drawing/2010/main">
                 <a:effectLst>
                   <a:outerShdw blurRad="63500" dist="38099" dir="2700000" algn="ctr" rotWithShape="0">
                     <a:schemeClr val="bg2">
@@ -353,7 +353,7 @@
               </a14:hiddenEffects>
             </a:ext>
             <a:ext uri="{FAA26D3D-D897-4be2-8F04-BA451C77F1D7}">
-              <ma14:placeholderFlag xmlns:ma14="http://schemas.microsoft.com/office/mac/drawingml/2011/main" xmlns="" val="1"/>
+              <ma14:placeholderFlag xmlns="" xmlns:ma14="http://schemas.microsoft.com/office/mac/drawingml/2011/main" val="1"/>
             </a:ext>
           </a:extLst>
         </p:spPr>
@@ -403,7 +403,7 @@
           <a:effectLst/>
           <a:extLst>
             <a:ext uri="{AF507438-7753-43e0-B8FC-AC1667EBCBE1}">
-              <a14:hiddenEffects xmlns:a14="http://schemas.microsoft.com/office/drawing/2010/main" xmlns="">
+              <a14:hiddenEffects xmlns="" xmlns:a14="http://schemas.microsoft.com/office/drawing/2010/main">
                 <a:effectLst>
                   <a:outerShdw blurRad="63500" dist="38099" dir="2700000" algn="ctr" rotWithShape="0">
                     <a:srgbClr val="000000">
@@ -414,7 +414,7 @@
               </a14:hiddenEffects>
             </a:ext>
             <a:ext uri="{53640926-AAD7-44d8-BBD7-CCE9431645EC}">
-              <a14:shadowObscured xmlns:a14="http://schemas.microsoft.com/office/drawing/2010/main" xmlns="" val="1"/>
+              <a14:shadowObscured xmlns="" xmlns:a14="http://schemas.microsoft.com/office/drawing/2010/main" val="1"/>
             </a:ext>
           </a:extLst>
         </p:spPr>
@@ -444,14 +444,14 @@
           <a:effectLst/>
           <a:extLst>
             <a:ext uri="{909E8E84-426E-40dd-AFC4-6F175D3DCCD1}">
-              <a14:hiddenFill xmlns:a14="http://schemas.microsoft.com/office/drawing/2010/main" xmlns="">
+              <a14:hiddenFill xmlns="" xmlns:a14="http://schemas.microsoft.com/office/drawing/2010/main">
                 <a:solidFill>
                   <a:schemeClr val="accent1"/>
                 </a:solidFill>
               </a14:hiddenFill>
             </a:ext>
             <a:ext uri="{91240B29-F687-4f45-9708-019B960494DF}">
-              <a14:hiddenLine xmlns:a14="http://schemas.microsoft.com/office/drawing/2010/main" xmlns="" w="9525">
+              <a14:hiddenLine xmlns="" xmlns:a14="http://schemas.microsoft.com/office/drawing/2010/main" w="9525">
                 <a:solidFill>
                   <a:schemeClr val="tx1"/>
                 </a:solidFill>
@@ -461,7 +461,7 @@
               </a14:hiddenLine>
             </a:ext>
             <a:ext uri="{AF507438-7753-43e0-B8FC-AC1667EBCBE1}">
-              <a14:hiddenEffects xmlns:a14="http://schemas.microsoft.com/office/drawing/2010/main" xmlns="">
+              <a14:hiddenEffects xmlns="" xmlns:a14="http://schemas.microsoft.com/office/drawing/2010/main">
                 <a:effectLst>
                   <a:outerShdw blurRad="63500" dist="38099" dir="2700000" algn="ctr" rotWithShape="0">
                     <a:schemeClr val="bg2">
@@ -472,7 +472,7 @@
               </a14:hiddenEffects>
             </a:ext>
             <a:ext uri="{FAA26D3D-D897-4be2-8F04-BA451C77F1D7}">
-              <ma14:placeholderFlag xmlns:ma14="http://schemas.microsoft.com/office/mac/drawingml/2011/main" xmlns="" val="1"/>
+              <ma14:placeholderFlag xmlns="" xmlns:ma14="http://schemas.microsoft.com/office/mac/drawingml/2011/main" val="1"/>
             </a:ext>
           </a:extLst>
         </p:spPr>
@@ -545,14 +545,14 @@
           <a:effectLst/>
           <a:extLst>
             <a:ext uri="{909E8E84-426E-40dd-AFC4-6F175D3DCCD1}">
-              <a14:hiddenFill xmlns:a14="http://schemas.microsoft.com/office/drawing/2010/main" xmlns="">
+              <a14:hiddenFill xmlns="" xmlns:a14="http://schemas.microsoft.com/office/drawing/2010/main">
                 <a:solidFill>
                   <a:schemeClr val="accent1"/>
                 </a:solidFill>
               </a14:hiddenFill>
             </a:ext>
             <a:ext uri="{91240B29-F687-4f45-9708-019B960494DF}">
-              <a14:hiddenLine xmlns:a14="http://schemas.microsoft.com/office/drawing/2010/main" xmlns="" w="9525">
+              <a14:hiddenLine xmlns="" xmlns:a14="http://schemas.microsoft.com/office/drawing/2010/main" w="9525">
                 <a:solidFill>
                   <a:schemeClr val="tx1"/>
                 </a:solidFill>
@@ -562,7 +562,7 @@
               </a14:hiddenLine>
             </a:ext>
             <a:ext uri="{AF507438-7753-43e0-B8FC-AC1667EBCBE1}">
-              <a14:hiddenEffects xmlns:a14="http://schemas.microsoft.com/office/drawing/2010/main" xmlns="">
+              <a14:hiddenEffects xmlns="" xmlns:a14="http://schemas.microsoft.com/office/drawing/2010/main">
                 <a:effectLst>
                   <a:outerShdw blurRad="63500" dist="38099" dir="2700000" algn="ctr" rotWithShape="0">
                     <a:schemeClr val="bg2">
@@ -573,7 +573,7 @@
               </a14:hiddenEffects>
             </a:ext>
             <a:ext uri="{FAA26D3D-D897-4be2-8F04-BA451C77F1D7}">
-              <ma14:placeholderFlag xmlns:ma14="http://schemas.microsoft.com/office/mac/drawingml/2011/main" xmlns="" val="1"/>
+              <ma14:placeholderFlag xmlns="" xmlns:ma14="http://schemas.microsoft.com/office/mac/drawingml/2011/main" val="1"/>
             </a:ext>
           </a:extLst>
         </p:spPr>
@@ -618,14 +618,14 @@
           <a:effectLst/>
           <a:extLst>
             <a:ext uri="{909E8E84-426E-40dd-AFC4-6F175D3DCCD1}">
-              <a14:hiddenFill xmlns:a14="http://schemas.microsoft.com/office/drawing/2010/main" xmlns="">
+              <a14:hiddenFill xmlns="" xmlns:a14="http://schemas.microsoft.com/office/drawing/2010/main">
                 <a:solidFill>
                   <a:schemeClr val="accent1"/>
                 </a:solidFill>
               </a14:hiddenFill>
             </a:ext>
             <a:ext uri="{91240B29-F687-4f45-9708-019B960494DF}">
-              <a14:hiddenLine xmlns:a14="http://schemas.microsoft.com/office/drawing/2010/main" xmlns="" w="9525">
+              <a14:hiddenLine xmlns="" xmlns:a14="http://schemas.microsoft.com/office/drawing/2010/main" w="9525">
                 <a:solidFill>
                   <a:schemeClr val="tx1"/>
                 </a:solidFill>
@@ -635,7 +635,7 @@
               </a14:hiddenLine>
             </a:ext>
             <a:ext uri="{AF507438-7753-43e0-B8FC-AC1667EBCBE1}">
-              <a14:hiddenEffects xmlns:a14="http://schemas.microsoft.com/office/drawing/2010/main" xmlns="">
+              <a14:hiddenEffects xmlns="" xmlns:a14="http://schemas.microsoft.com/office/drawing/2010/main">
                 <a:effectLst>
                   <a:outerShdw blurRad="63500" dist="38099" dir="2700000" algn="ctr" rotWithShape="0">
                     <a:schemeClr val="bg2">
@@ -646,7 +646,7 @@
               </a14:hiddenEffects>
             </a:ext>
             <a:ext uri="{FAA26D3D-D897-4be2-8F04-BA451C77F1D7}">
-              <ma14:placeholderFlag xmlns:ma14="http://schemas.microsoft.com/office/mac/drawingml/2011/main" xmlns="" val="1"/>
+              <ma14:placeholderFlag xmlns="" xmlns:ma14="http://schemas.microsoft.com/office/mac/drawingml/2011/main" val="1"/>
             </a:ext>
           </a:extLst>
         </p:spPr>
@@ -861,7 +861,7 @@
           <a:ln/>
           <a:extLst>
             <a:ext uri="{FAA26D3D-D897-4be2-8F04-BA451C77F1D7}">
-              <ma14:placeholderFlag xmlns:ma14="http://schemas.microsoft.com/office/mac/drawingml/2011/main" xmlns="" val="1"/>
+              <ma14:placeholderFlag xmlns="" xmlns:ma14="http://schemas.microsoft.com/office/mac/drawingml/2011/main" val="1"/>
             </a:ext>
           </a:extLst>
         </p:spPr>
@@ -950,7 +950,7 @@
           <a:ln/>
           <a:extLst>
             <a:ext uri="{FAA26D3D-D897-4be2-8F04-BA451C77F1D7}">
-              <ma14:placeholderFlag xmlns:ma14="http://schemas.microsoft.com/office/mac/drawingml/2011/main" xmlns="" val="1"/>
+              <ma14:placeholderFlag xmlns="" xmlns:ma14="http://schemas.microsoft.com/office/mac/drawingml/2011/main" val="1"/>
             </a:ext>
           </a:extLst>
         </p:spPr>
@@ -1039,7 +1039,7 @@
           <a:ln/>
           <a:extLst>
             <a:ext uri="{FAA26D3D-D897-4be2-8F04-BA451C77F1D7}">
-              <ma14:placeholderFlag xmlns:ma14="http://schemas.microsoft.com/office/mac/drawingml/2011/main" xmlns="" val="1"/>
+              <ma14:placeholderFlag xmlns="" xmlns:ma14="http://schemas.microsoft.com/office/mac/drawingml/2011/main" val="1"/>
             </a:ext>
           </a:extLst>
         </p:spPr>
@@ -3692,7 +3692,7 @@
           <a:blip r:embed="rId13">
             <a:extLst>
               <a:ext uri="{28A0092B-C50C-407E-A947-70E740481C1C}">
-                <a14:useLocalDpi xmlns:a14="http://schemas.microsoft.com/office/drawing/2010/main" val="0"/>
+                <a14:useLocalDpi xmlns:a14="http://schemas.microsoft.com/office/drawing/2010/main"/>
               </a:ext>
             </a:extLst>
           </a:blip>
@@ -5006,10 +5006,10 @@
           </p:nvPr>
         </p:nvPicPr>
         <p:blipFill>
-          <a:blip r:embed="rId2">
+          <a:blip r:embed="rId2" cstate="print">
             <a:extLst>
               <a:ext uri="{28A0092B-C50C-407E-A947-70E740481C1C}">
-                <a14:useLocalDpi xmlns:a14="http://schemas.microsoft.com/office/drawing/2010/main" val="0"/>
+                <a14:useLocalDpi xmlns:a14="http://schemas.microsoft.com/office/drawing/2010/main"/>
               </a:ext>
             </a:extLst>
           </a:blip>
@@ -5967,7 +5967,7 @@
           <a:blip r:embed="rId2">
             <a:extLst>
               <a:ext uri="{28A0092B-C50C-407E-A947-70E740481C1C}">
-                <a14:useLocalDpi xmlns:a14="http://schemas.microsoft.com/office/drawing/2010/main" val="0"/>
+                <a14:useLocalDpi xmlns:a14="http://schemas.microsoft.com/office/drawing/2010/main"/>
               </a:ext>
             </a:extLst>
           </a:blip>
@@ -5997,7 +5997,7 @@
           <a:blip r:embed="rId3">
             <a:extLst>
               <a:ext uri="{28A0092B-C50C-407E-A947-70E740481C1C}">
-                <a14:useLocalDpi xmlns:a14="http://schemas.microsoft.com/office/drawing/2010/main" val="0"/>
+                <a14:useLocalDpi xmlns:a14="http://schemas.microsoft.com/office/drawing/2010/main"/>
               </a:ext>
             </a:extLst>
           </a:blip>
@@ -7233,10 +7233,10 @@
           <p:nvPr/>
         </p:nvPicPr>
         <p:blipFill>
-          <a:blip r:embed="rId2">
+          <a:blip r:embed="rId2" cstate="print">
             <a:extLst>
               <a:ext uri="{28A0092B-C50C-407E-A947-70E740481C1C}">
-                <a14:useLocalDpi xmlns:a14="http://schemas.microsoft.com/office/drawing/2010/main" val="0"/>
+                <a14:useLocalDpi xmlns:a14="http://schemas.microsoft.com/office/drawing/2010/main"/>
               </a:ext>
             </a:extLst>
           </a:blip>
@@ -8740,10 +8740,10 @@
           </p:nvPr>
         </p:nvPicPr>
         <p:blipFill>
-          <a:blip r:embed="rId2">
+          <a:blip r:embed="rId2" cstate="print">
             <a:extLst>
               <a:ext uri="{28A0092B-C50C-407E-A947-70E740481C1C}">
-                <a14:useLocalDpi xmlns:a14="http://schemas.microsoft.com/office/drawing/2010/main" val="0"/>
+                <a14:useLocalDpi xmlns:a14="http://schemas.microsoft.com/office/drawing/2010/main"/>
               </a:ext>
             </a:extLst>
           </a:blip>
@@ -8770,10 +8770,10 @@
           </p:nvPr>
         </p:nvPicPr>
         <p:blipFill>
-          <a:blip r:embed="rId3">
+          <a:blip r:embed="rId3" cstate="print">
             <a:extLst>
               <a:ext uri="{28A0092B-C50C-407E-A947-70E740481C1C}">
-                <a14:useLocalDpi xmlns:a14="http://schemas.microsoft.com/office/drawing/2010/main" val="0"/>
+                <a14:useLocalDpi xmlns:a14="http://schemas.microsoft.com/office/drawing/2010/main"/>
               </a:ext>
             </a:extLst>
           </a:blip>
@@ -9210,10 +9210,10 @@
           </p:nvPr>
         </p:nvPicPr>
         <p:blipFill>
-          <a:blip r:embed="rId2">
+          <a:blip r:embed="rId2" cstate="print">
             <a:extLst>
               <a:ext uri="{28A0092B-C50C-407E-A947-70E740481C1C}">
-                <a14:useLocalDpi xmlns:a14="http://schemas.microsoft.com/office/drawing/2010/main" val="0"/>
+                <a14:useLocalDpi xmlns:a14="http://schemas.microsoft.com/office/drawing/2010/main"/>
               </a:ext>
             </a:extLst>
           </a:blip>
@@ -9897,10 +9897,10 @@
           <p:nvPr/>
         </p:nvPicPr>
         <p:blipFill>
-          <a:blip r:embed="rId3">
+          <a:blip r:embed="rId3" cstate="print">
             <a:extLst>
               <a:ext uri="{28A0092B-C50C-407E-A947-70E740481C1C}">
-                <a14:useLocalDpi xmlns:a14="http://schemas.microsoft.com/office/drawing/2010/main" val="0"/>
+                <a14:useLocalDpi xmlns:a14="http://schemas.microsoft.com/office/drawing/2010/main"/>
               </a:ext>
             </a:extLst>
           </a:blip>
@@ -13368,14 +13368,14 @@
           <p:nvPr/>
         </p:nvPicPr>
         <p:blipFill rotWithShape="1">
-          <a:blip r:embed="rId2">
+          <a:blip r:embed="rId2" cstate="print">
             <a:extLst>
               <a:ext uri="{28A0092B-C50C-407E-A947-70E740481C1C}">
-                <a14:useLocalDpi xmlns:a14="http://schemas.microsoft.com/office/drawing/2010/main" val="0"/>
+                <a14:useLocalDpi xmlns:a14="http://schemas.microsoft.com/office/drawing/2010/main"/>
               </a:ext>
             </a:extLst>
           </a:blip>
-          <a:srcRect l="1436" t="1572" r="910" b="1985"/>
+          <a:srcRect/>
           <a:stretch/>
         </p:blipFill>
         <p:spPr>
@@ -13643,10 +13643,10 @@
           </p:nvPr>
         </p:nvPicPr>
         <p:blipFill>
-          <a:blip r:embed="rId2">
+          <a:blip r:embed="rId2" cstate="print">
             <a:extLst>
               <a:ext uri="{28A0092B-C50C-407E-A947-70E740481C1C}">
-                <a14:useLocalDpi xmlns:a14="http://schemas.microsoft.com/office/drawing/2010/main" val="0"/>
+                <a14:useLocalDpi xmlns:a14="http://schemas.microsoft.com/office/drawing/2010/main"/>
               </a:ext>
             </a:extLst>
           </a:blip>
@@ -13768,10 +13768,10 @@
           </p:nvPr>
         </p:nvPicPr>
         <p:blipFill>
-          <a:blip r:embed="rId2">
+          <a:blip r:embed="rId2" cstate="print">
             <a:extLst>
               <a:ext uri="{28A0092B-C50C-407E-A947-70E740481C1C}">
-                <a14:useLocalDpi xmlns:a14="http://schemas.microsoft.com/office/drawing/2010/main" val="0"/>
+                <a14:useLocalDpi xmlns:a14="http://schemas.microsoft.com/office/drawing/2010/main"/>
               </a:ext>
             </a:extLst>
           </a:blip>
@@ -13869,10 +13869,10 @@
           </p:nvPr>
         </p:nvPicPr>
         <p:blipFill>
-          <a:blip r:embed="rId2">
+          <a:blip r:embed="rId2" cstate="print">
             <a:extLst>
               <a:ext uri="{28A0092B-C50C-407E-A947-70E740481C1C}">
-                <a14:useLocalDpi xmlns:a14="http://schemas.microsoft.com/office/drawing/2010/main" val="0"/>
+                <a14:useLocalDpi xmlns:a14="http://schemas.microsoft.com/office/drawing/2010/main"/>
               </a:ext>
             </a:extLst>
           </a:blip>
@@ -13970,10 +13970,10 @@
           </p:nvPr>
         </p:nvPicPr>
         <p:blipFill>
-          <a:blip r:embed="rId2">
+          <a:blip r:embed="rId2" cstate="print">
             <a:extLst>
               <a:ext uri="{28A0092B-C50C-407E-A947-70E740481C1C}">
-                <a14:useLocalDpi xmlns:a14="http://schemas.microsoft.com/office/drawing/2010/main" val="0"/>
+                <a14:useLocalDpi xmlns:a14="http://schemas.microsoft.com/office/drawing/2010/main"/>
               </a:ext>
             </a:extLst>
           </a:blip>
@@ -14362,14 +14362,14 @@
           <p:nvPr/>
         </p:nvPicPr>
         <p:blipFill rotWithShape="1">
-          <a:blip r:embed="rId2">
+          <a:blip r:embed="rId2" cstate="print">
             <a:extLst>
               <a:ext uri="{28A0092B-C50C-407E-A947-70E740481C1C}">
-                <a14:useLocalDpi xmlns:a14="http://schemas.microsoft.com/office/drawing/2010/main" val="0"/>
+                <a14:useLocalDpi xmlns:a14="http://schemas.microsoft.com/office/drawing/2010/main"/>
               </a:ext>
             </a:extLst>
           </a:blip>
-          <a:srcRect t="1159" b="2087"/>
+          <a:srcRect/>
           <a:stretch/>
         </p:blipFill>
         <p:spPr>
@@ -14878,10 +14878,10 @@
           <p:nvPr/>
         </p:nvPicPr>
         <p:blipFill>
-          <a:blip r:embed="rId2">
+          <a:blip r:embed="rId2" cstate="print">
             <a:extLst>
               <a:ext uri="{28A0092B-C50C-407E-A947-70E740481C1C}">
-                <a14:useLocalDpi xmlns:a14="http://schemas.microsoft.com/office/drawing/2010/main" val="0"/>
+                <a14:useLocalDpi xmlns:a14="http://schemas.microsoft.com/office/drawing/2010/main"/>
               </a:ext>
             </a:extLst>
           </a:blip>

--- a/java/slides/ppt/10 - Java Data Access (JDBC).pptx
+++ b/java/slides/ppt/10 - Java Data Access (JDBC).pptx
@@ -252,14 +252,14 @@
           <a:effectLst/>
           <a:extLst>
             <a:ext uri="{909E8E84-426E-40dd-AFC4-6F175D3DCCD1}">
-              <a14:hiddenFill xmlns="" xmlns:a14="http://schemas.microsoft.com/office/drawing/2010/main">
+              <a14:hiddenFill xmlns:a14="http://schemas.microsoft.com/office/drawing/2010/main" xmlns="">
                 <a:solidFill>
                   <a:schemeClr val="accent1"/>
                 </a:solidFill>
               </a14:hiddenFill>
             </a:ext>
             <a:ext uri="{91240B29-F687-4f45-9708-019B960494DF}">
-              <a14:hiddenLine xmlns="" xmlns:a14="http://schemas.microsoft.com/office/drawing/2010/main" w="9525">
+              <a14:hiddenLine xmlns:a14="http://schemas.microsoft.com/office/drawing/2010/main" xmlns="" w="9525">
                 <a:solidFill>
                   <a:schemeClr val="tx1"/>
                 </a:solidFill>
@@ -269,7 +269,7 @@
               </a14:hiddenLine>
             </a:ext>
             <a:ext uri="{AF507438-7753-43e0-B8FC-AC1667EBCBE1}">
-              <a14:hiddenEffects xmlns="" xmlns:a14="http://schemas.microsoft.com/office/drawing/2010/main">
+              <a14:hiddenEffects xmlns:a14="http://schemas.microsoft.com/office/drawing/2010/main" xmlns="">
                 <a:effectLst>
                   <a:outerShdw blurRad="63500" dist="38099" dir="2700000" algn="ctr" rotWithShape="0">
                     <a:schemeClr val="bg2">
@@ -280,7 +280,7 @@
               </a14:hiddenEffects>
             </a:ext>
             <a:ext uri="{FAA26D3D-D897-4be2-8F04-BA451C77F1D7}">
-              <ma14:placeholderFlag xmlns="" xmlns:ma14="http://schemas.microsoft.com/office/mac/drawingml/2011/main" val="1"/>
+              <ma14:placeholderFlag xmlns:ma14="http://schemas.microsoft.com/office/mac/drawingml/2011/main" xmlns="" val="1"/>
             </a:ext>
           </a:extLst>
         </p:spPr>
@@ -325,14 +325,14 @@
           <a:effectLst/>
           <a:extLst>
             <a:ext uri="{909E8E84-426E-40dd-AFC4-6F175D3DCCD1}">
-              <a14:hiddenFill xmlns="" xmlns:a14="http://schemas.microsoft.com/office/drawing/2010/main">
+              <a14:hiddenFill xmlns:a14="http://schemas.microsoft.com/office/drawing/2010/main" xmlns="">
                 <a:solidFill>
                   <a:schemeClr val="accent1"/>
                 </a:solidFill>
               </a14:hiddenFill>
             </a:ext>
             <a:ext uri="{91240B29-F687-4f45-9708-019B960494DF}">
-              <a14:hiddenLine xmlns="" xmlns:a14="http://schemas.microsoft.com/office/drawing/2010/main" w="9525">
+              <a14:hiddenLine xmlns:a14="http://schemas.microsoft.com/office/drawing/2010/main" xmlns="" w="9525">
                 <a:solidFill>
                   <a:schemeClr val="tx1"/>
                 </a:solidFill>
@@ -342,7 +342,7 @@
               </a14:hiddenLine>
             </a:ext>
             <a:ext uri="{AF507438-7753-43e0-B8FC-AC1667EBCBE1}">
-              <a14:hiddenEffects xmlns="" xmlns:a14="http://schemas.microsoft.com/office/drawing/2010/main">
+              <a14:hiddenEffects xmlns:a14="http://schemas.microsoft.com/office/drawing/2010/main" xmlns="">
                 <a:effectLst>
                   <a:outerShdw blurRad="63500" dist="38099" dir="2700000" algn="ctr" rotWithShape="0">
                     <a:schemeClr val="bg2">
@@ -353,7 +353,7 @@
               </a14:hiddenEffects>
             </a:ext>
             <a:ext uri="{FAA26D3D-D897-4be2-8F04-BA451C77F1D7}">
-              <ma14:placeholderFlag xmlns="" xmlns:ma14="http://schemas.microsoft.com/office/mac/drawingml/2011/main" val="1"/>
+              <ma14:placeholderFlag xmlns:ma14="http://schemas.microsoft.com/office/mac/drawingml/2011/main" xmlns="" val="1"/>
             </a:ext>
           </a:extLst>
         </p:spPr>
@@ -403,7 +403,7 @@
           <a:effectLst/>
           <a:extLst>
             <a:ext uri="{AF507438-7753-43e0-B8FC-AC1667EBCBE1}">
-              <a14:hiddenEffects xmlns="" xmlns:a14="http://schemas.microsoft.com/office/drawing/2010/main">
+              <a14:hiddenEffects xmlns:a14="http://schemas.microsoft.com/office/drawing/2010/main" xmlns="">
                 <a:effectLst>
                   <a:outerShdw blurRad="63500" dist="38099" dir="2700000" algn="ctr" rotWithShape="0">
                     <a:srgbClr val="000000">
@@ -414,7 +414,7 @@
               </a14:hiddenEffects>
             </a:ext>
             <a:ext uri="{53640926-AAD7-44d8-BBD7-CCE9431645EC}">
-              <a14:shadowObscured xmlns="" xmlns:a14="http://schemas.microsoft.com/office/drawing/2010/main" val="1"/>
+              <a14:shadowObscured xmlns:a14="http://schemas.microsoft.com/office/drawing/2010/main" xmlns="" val="1"/>
             </a:ext>
           </a:extLst>
         </p:spPr>
@@ -444,14 +444,14 @@
           <a:effectLst/>
           <a:extLst>
             <a:ext uri="{909E8E84-426E-40dd-AFC4-6F175D3DCCD1}">
-              <a14:hiddenFill xmlns="" xmlns:a14="http://schemas.microsoft.com/office/drawing/2010/main">
+              <a14:hiddenFill xmlns:a14="http://schemas.microsoft.com/office/drawing/2010/main" xmlns="">
                 <a:solidFill>
                   <a:schemeClr val="accent1"/>
                 </a:solidFill>
               </a14:hiddenFill>
             </a:ext>
             <a:ext uri="{91240B29-F687-4f45-9708-019B960494DF}">
-              <a14:hiddenLine xmlns="" xmlns:a14="http://schemas.microsoft.com/office/drawing/2010/main" w="9525">
+              <a14:hiddenLine xmlns:a14="http://schemas.microsoft.com/office/drawing/2010/main" xmlns="" w="9525">
                 <a:solidFill>
                   <a:schemeClr val="tx1"/>
                 </a:solidFill>
@@ -461,7 +461,7 @@
               </a14:hiddenLine>
             </a:ext>
             <a:ext uri="{AF507438-7753-43e0-B8FC-AC1667EBCBE1}">
-              <a14:hiddenEffects xmlns="" xmlns:a14="http://schemas.microsoft.com/office/drawing/2010/main">
+              <a14:hiddenEffects xmlns:a14="http://schemas.microsoft.com/office/drawing/2010/main" xmlns="">
                 <a:effectLst>
                   <a:outerShdw blurRad="63500" dist="38099" dir="2700000" algn="ctr" rotWithShape="0">
                     <a:schemeClr val="bg2">
@@ -472,7 +472,7 @@
               </a14:hiddenEffects>
             </a:ext>
             <a:ext uri="{FAA26D3D-D897-4be2-8F04-BA451C77F1D7}">
-              <ma14:placeholderFlag xmlns="" xmlns:ma14="http://schemas.microsoft.com/office/mac/drawingml/2011/main" val="1"/>
+              <ma14:placeholderFlag xmlns:ma14="http://schemas.microsoft.com/office/mac/drawingml/2011/main" xmlns="" val="1"/>
             </a:ext>
           </a:extLst>
         </p:spPr>
@@ -545,14 +545,14 @@
           <a:effectLst/>
           <a:extLst>
             <a:ext uri="{909E8E84-426E-40dd-AFC4-6F175D3DCCD1}">
-              <a14:hiddenFill xmlns="" xmlns:a14="http://schemas.microsoft.com/office/drawing/2010/main">
+              <a14:hiddenFill xmlns:a14="http://schemas.microsoft.com/office/drawing/2010/main" xmlns="">
                 <a:solidFill>
                   <a:schemeClr val="accent1"/>
                 </a:solidFill>
               </a14:hiddenFill>
             </a:ext>
             <a:ext uri="{91240B29-F687-4f45-9708-019B960494DF}">
-              <a14:hiddenLine xmlns="" xmlns:a14="http://schemas.microsoft.com/office/drawing/2010/main" w="9525">
+              <a14:hiddenLine xmlns:a14="http://schemas.microsoft.com/office/drawing/2010/main" xmlns="" w="9525">
                 <a:solidFill>
                   <a:schemeClr val="tx1"/>
                 </a:solidFill>
@@ -562,7 +562,7 @@
               </a14:hiddenLine>
             </a:ext>
             <a:ext uri="{AF507438-7753-43e0-B8FC-AC1667EBCBE1}">
-              <a14:hiddenEffects xmlns="" xmlns:a14="http://schemas.microsoft.com/office/drawing/2010/main">
+              <a14:hiddenEffects xmlns:a14="http://schemas.microsoft.com/office/drawing/2010/main" xmlns="">
                 <a:effectLst>
                   <a:outerShdw blurRad="63500" dist="38099" dir="2700000" algn="ctr" rotWithShape="0">
                     <a:schemeClr val="bg2">
@@ -573,7 +573,7 @@
               </a14:hiddenEffects>
             </a:ext>
             <a:ext uri="{FAA26D3D-D897-4be2-8F04-BA451C77F1D7}">
-              <ma14:placeholderFlag xmlns="" xmlns:ma14="http://schemas.microsoft.com/office/mac/drawingml/2011/main" val="1"/>
+              <ma14:placeholderFlag xmlns:ma14="http://schemas.microsoft.com/office/mac/drawingml/2011/main" xmlns="" val="1"/>
             </a:ext>
           </a:extLst>
         </p:spPr>
@@ -618,14 +618,14 @@
           <a:effectLst/>
           <a:extLst>
             <a:ext uri="{909E8E84-426E-40dd-AFC4-6F175D3DCCD1}">
-              <a14:hiddenFill xmlns="" xmlns:a14="http://schemas.microsoft.com/office/drawing/2010/main">
+              <a14:hiddenFill xmlns:a14="http://schemas.microsoft.com/office/drawing/2010/main" xmlns="">
                 <a:solidFill>
                   <a:schemeClr val="accent1"/>
                 </a:solidFill>
               </a14:hiddenFill>
             </a:ext>
             <a:ext uri="{91240B29-F687-4f45-9708-019B960494DF}">
-              <a14:hiddenLine xmlns="" xmlns:a14="http://schemas.microsoft.com/office/drawing/2010/main" w="9525">
+              <a14:hiddenLine xmlns:a14="http://schemas.microsoft.com/office/drawing/2010/main" xmlns="" w="9525">
                 <a:solidFill>
                   <a:schemeClr val="tx1"/>
                 </a:solidFill>
@@ -635,7 +635,7 @@
               </a14:hiddenLine>
             </a:ext>
             <a:ext uri="{AF507438-7753-43e0-B8FC-AC1667EBCBE1}">
-              <a14:hiddenEffects xmlns="" xmlns:a14="http://schemas.microsoft.com/office/drawing/2010/main">
+              <a14:hiddenEffects xmlns:a14="http://schemas.microsoft.com/office/drawing/2010/main" xmlns="">
                 <a:effectLst>
                   <a:outerShdw blurRad="63500" dist="38099" dir="2700000" algn="ctr" rotWithShape="0">
                     <a:schemeClr val="bg2">
@@ -646,7 +646,7 @@
               </a14:hiddenEffects>
             </a:ext>
             <a:ext uri="{FAA26D3D-D897-4be2-8F04-BA451C77F1D7}">
-              <ma14:placeholderFlag xmlns="" xmlns:ma14="http://schemas.microsoft.com/office/mac/drawingml/2011/main" val="1"/>
+              <ma14:placeholderFlag xmlns:ma14="http://schemas.microsoft.com/office/mac/drawingml/2011/main" xmlns="" val="1"/>
             </a:ext>
           </a:extLst>
         </p:spPr>
@@ -861,7 +861,7 @@
           <a:ln/>
           <a:extLst>
             <a:ext uri="{FAA26D3D-D897-4be2-8F04-BA451C77F1D7}">
-              <ma14:placeholderFlag xmlns="" xmlns:ma14="http://schemas.microsoft.com/office/mac/drawingml/2011/main" val="1"/>
+              <ma14:placeholderFlag xmlns:ma14="http://schemas.microsoft.com/office/mac/drawingml/2011/main" xmlns="" val="1"/>
             </a:ext>
           </a:extLst>
         </p:spPr>
@@ -950,7 +950,7 @@
           <a:ln/>
           <a:extLst>
             <a:ext uri="{FAA26D3D-D897-4be2-8F04-BA451C77F1D7}">
-              <ma14:placeholderFlag xmlns="" xmlns:ma14="http://schemas.microsoft.com/office/mac/drawingml/2011/main" val="1"/>
+              <ma14:placeholderFlag xmlns:ma14="http://schemas.microsoft.com/office/mac/drawingml/2011/main" xmlns="" val="1"/>
             </a:ext>
           </a:extLst>
         </p:spPr>
@@ -1039,7 +1039,7 @@
           <a:ln/>
           <a:extLst>
             <a:ext uri="{FAA26D3D-D897-4be2-8F04-BA451C77F1D7}">
-              <ma14:placeholderFlag xmlns="" xmlns:ma14="http://schemas.microsoft.com/office/mac/drawingml/2011/main" val="1"/>
+              <ma14:placeholderFlag xmlns:ma14="http://schemas.microsoft.com/office/mac/drawingml/2011/main" xmlns="" val="1"/>
             </a:ext>
           </a:extLst>
         </p:spPr>
@@ -4012,40 +4012,17 @@
             <p:ph type="ctrTitle"/>
           </p:nvPr>
         </p:nvSpPr>
-        <p:spPr>
-          <a:xfrm>
-            <a:off x="457200" y="1371600"/>
-            <a:ext cx="6999287" cy="2133600"/>
-          </a:xfrm>
-        </p:spPr>
+        <p:spPr/>
         <p:txBody>
           <a:bodyPr>
-            <a:normAutofit fontScale="90000"/>
+            <a:normAutofit/>
           </a:bodyPr>
           <a:lstStyle/>
           <a:p>
-            <a:pPr algn="l"/>
-            <a:br>
+            <a:r>
               <a:rPr lang="en-US" dirty="0"/>
-            </a:br>
-            <a:br>
-              <a:rPr lang="en-US" dirty="0"/>
-            </a:br>
-            <a:r>
-              <a:rPr lang="en-US" dirty="0"/>
-              <a:t>JDBC – </a:t>
-            </a:r>
-            <a:r>
-              <a:rPr lang="en-US" sz="4000" dirty="0"/>
-              <a:t>Java DB Connectivity</a:t>
-            </a:r>
-            <a:r>
-              <a:rPr lang="en-US" dirty="0"/>
-              <a:t> </a:t>
-            </a:r>
-            <a:br>
-              <a:rPr lang="en-US" dirty="0"/>
-            </a:br>
+              <a:t>Java Data Access (JDBC)</a:t>
+            </a:r>
             <a:endParaRPr lang="en-US" sz="3600" dirty="0"/>
           </a:p>
         </p:txBody>
@@ -4060,12 +4037,7 @@
             <p:ph type="subTitle" idx="1"/>
           </p:nvPr>
         </p:nvSpPr>
-        <p:spPr>
-          <a:xfrm>
-            <a:off x="1371600" y="3886200"/>
-            <a:ext cx="6400800" cy="1752600"/>
-          </a:xfrm>
-        </p:spPr>
+        <p:spPr/>
         <p:txBody>
           <a:bodyPr>
             <a:normAutofit/>

--- a/java/slides/ppt/10 - Java Data Access (JDBC).pptx
+++ b/java/slides/ppt/10 - Java Data Access (JDBC).pptx
@@ -268,7 +268,7 @@
           <a:p>
             <a:fld id="{5591E39A-28E5-5D4D-B97C-ECEB96F19817}" type="datetimeFigureOut">
               <a:rPr lang="en-IT" smtClean="0"/>
-              <a:t>23/02/22</a:t>
+              <a:t>06/04/22</a:t>
             </a:fld>
             <a:endParaRPr lang="en-IT"/>
           </a:p>
@@ -447,7 +447,7 @@
             <a:fld id="{BAEB7694-8561-4BE2-948D-EDF7A201F8BB}" type="datetimeFigureOut">
               <a:rPr lang="it-IT" smtClean="0"/>
               <a:pPr/>
-              <a:t>23/02/22</a:t>
+              <a:t>06/04/22</a:t>
             </a:fld>
             <a:endParaRPr lang="it-IT"/>
           </a:p>
@@ -775,7 +775,7 @@
           <a:ln/>
           <a:extLst>
             <a:ext uri="{FAA26D3D-D897-4be2-8F04-BA451C77F1D7}">
-              <ma14:placeholderFlag xmlns:ma14="http://schemas.microsoft.com/office/mac/drawingml/2011/main" xmlns="" val="1"/>
+              <ma14:placeholderFlag xmlns="" xmlns:ma14="http://schemas.microsoft.com/office/mac/drawingml/2011/main" val="1"/>
             </a:ext>
           </a:extLst>
         </p:spPr>
@@ -864,7 +864,7 @@
           <a:ln/>
           <a:extLst>
             <a:ext uri="{FAA26D3D-D897-4be2-8F04-BA451C77F1D7}">
-              <ma14:placeholderFlag xmlns:ma14="http://schemas.microsoft.com/office/mac/drawingml/2011/main" xmlns="" val="1"/>
+              <ma14:placeholderFlag xmlns="" xmlns:ma14="http://schemas.microsoft.com/office/mac/drawingml/2011/main" val="1"/>
             </a:ext>
           </a:extLst>
         </p:spPr>
@@ -953,7 +953,7 @@
           <a:ln/>
           <a:extLst>
             <a:ext uri="{FAA26D3D-D897-4be2-8F04-BA451C77F1D7}">
-              <ma14:placeholderFlag xmlns:ma14="http://schemas.microsoft.com/office/mac/drawingml/2011/main" xmlns="" val="1"/>
+              <ma14:placeholderFlag xmlns="" xmlns:ma14="http://schemas.microsoft.com/office/mac/drawingml/2011/main" val="1"/>
             </a:ext>
           </a:extLst>
         </p:spPr>

--- a/java/slides/ppt/10 - Java Data Access (JDBC).pptx
+++ b/java/slides/ppt/10 - Java Data Access (JDBC).pptx
@@ -268,7 +268,7 @@
           <a:p>
             <a:fld id="{5591E39A-28E5-5D4D-B97C-ECEB96F19817}" type="datetimeFigureOut">
               <a:rPr lang="en-IT" smtClean="0"/>
-              <a:t>06/04/22</a:t>
+              <a:t>20/04/22</a:t>
             </a:fld>
             <a:endParaRPr lang="en-IT"/>
           </a:p>
@@ -447,7 +447,7 @@
             <a:fld id="{BAEB7694-8561-4BE2-948D-EDF7A201F8BB}" type="datetimeFigureOut">
               <a:rPr lang="it-IT" smtClean="0"/>
               <a:pPr/>
-              <a:t>06/04/22</a:t>
+              <a:t>20/04/22</a:t>
             </a:fld>
             <a:endParaRPr lang="it-IT"/>
           </a:p>
@@ -775,7 +775,7 @@
           <a:ln/>
           <a:extLst>
             <a:ext uri="{FAA26D3D-D897-4be2-8F04-BA451C77F1D7}">
-              <ma14:placeholderFlag xmlns="" xmlns:ma14="http://schemas.microsoft.com/office/mac/drawingml/2011/main" val="1"/>
+              <ma14:placeholderFlag xmlns:ma14="http://schemas.microsoft.com/office/mac/drawingml/2011/main" xmlns="" val="1"/>
             </a:ext>
           </a:extLst>
         </p:spPr>
@@ -864,7 +864,7 @@
           <a:ln/>
           <a:extLst>
             <a:ext uri="{FAA26D3D-D897-4be2-8F04-BA451C77F1D7}">
-              <ma14:placeholderFlag xmlns="" xmlns:ma14="http://schemas.microsoft.com/office/mac/drawingml/2011/main" val="1"/>
+              <ma14:placeholderFlag xmlns:ma14="http://schemas.microsoft.com/office/mac/drawingml/2011/main" xmlns="" val="1"/>
             </a:ext>
           </a:extLst>
         </p:spPr>
@@ -953,7 +953,7 @@
           <a:ln/>
           <a:extLst>
             <a:ext uri="{FAA26D3D-D897-4be2-8F04-BA451C77F1D7}">
-              <ma14:placeholderFlag xmlns="" xmlns:ma14="http://schemas.microsoft.com/office/mac/drawingml/2011/main" val="1"/>
+              <ma14:placeholderFlag xmlns:ma14="http://schemas.microsoft.com/office/mac/drawingml/2011/main" xmlns="" val="1"/>
             </a:ext>
           </a:extLst>
         </p:spPr>
@@ -8926,19 +8926,15 @@
           <a:p>
             <a:r>
               <a:rPr lang="en-US" sz="2800" dirty="0"/>
-              <a:t>It is </a:t>
-            </a:r>
-            <a:r>
-              <a:rPr lang="en-US" sz="2800" dirty="0">
-                <a:solidFill>
-                  <a:srgbClr val="E46C0A"/>
-                </a:solidFill>
-              </a:rPr>
-              <a:t>not possible to move back and forth </a:t>
+              <a:t>With default </a:t>
+            </a:r>
+            <a:r>
+              <a:rPr lang="en-US" sz="2800" dirty="0" err="1"/>
+              <a:t>ResultSets</a:t>
             </a:r>
             <a:r>
               <a:rPr lang="en-US" sz="2800" dirty="0"/>
-              <a:t>within a default (</a:t>
+              <a:t> (</a:t>
             </a:r>
             <a:r>
               <a:rPr lang="en-US" sz="2800" dirty="0">
@@ -8951,60 +8947,72 @@
               <a:rPr lang="en-US" sz="2800" dirty="0"/>
               <a:t>) </a:t>
             </a:r>
-            <a:r>
-              <a:rPr lang="en-US" sz="2800" dirty="0" err="1"/>
-              <a:t>ResultSet</a:t>
-            </a:r>
-            <a:r>
-              <a:rPr lang="en-US" sz="2800" dirty="0"/>
-              <a:t> </a:t>
-            </a:r>
           </a:p>
           <a:p>
             <a:pPr lvl="1"/>
             <a:r>
               <a:rPr lang="en-US" sz="2400" dirty="0"/>
+              <a:t>It is </a:t>
+            </a:r>
+            <a:r>
+              <a:rPr lang="en-US" sz="2400" dirty="0">
+                <a:solidFill>
+                  <a:srgbClr val="E46C0A"/>
+                </a:solidFill>
+              </a:rPr>
+              <a:t>not possible to move back and forth </a:t>
+            </a:r>
+            <a:r>
+              <a:rPr lang="en-US" sz="2400" dirty="0"/>
+              <a:t>with a default</a:t>
+            </a:r>
+          </a:p>
+          <a:p>
+            <a:pPr lvl="2"/>
+            <a:r>
+              <a:rPr lang="en-US" sz="2000" dirty="0"/>
               <a:t>Only </a:t>
             </a:r>
             <a:r>
+              <a:rPr lang="en-US" sz="2000" dirty="0">
+                <a:solidFill>
+                  <a:srgbClr val="E46C0A"/>
+                </a:solidFill>
+              </a:rPr>
+              <a:t>next()</a:t>
+            </a:r>
+            <a:r>
+              <a:rPr lang="en-US" sz="2000" dirty="0"/>
+              <a:t> can be called</a:t>
+            </a:r>
+          </a:p>
+          <a:p>
+            <a:pPr lvl="1"/>
+            <a:r>
+              <a:rPr lang="en-US" sz="2400" dirty="0"/>
+              <a:t>It is </a:t>
+            </a:r>
+            <a:r>
               <a:rPr lang="en-US" sz="2400" dirty="0">
                 <a:solidFill>
                   <a:srgbClr val="E46C0A"/>
                 </a:solidFill>
               </a:rPr>
-              <a:t>next()</a:t>
+              <a:t>not possible to modify the data </a:t>
             </a:r>
             <a:r>
               <a:rPr lang="en-US" sz="2400" dirty="0"/>
-              <a:t> can be called</a:t>
-            </a:r>
-          </a:p>
-          <a:p>
-            <a:r>
-              <a:rPr lang="en-US" sz="2800" dirty="0"/>
-              <a:t>It is </a:t>
-            </a:r>
-            <a:r>
-              <a:rPr lang="en-US" sz="2800" dirty="0">
-                <a:solidFill>
-                  <a:srgbClr val="E46C0A"/>
-                </a:solidFill>
-              </a:rPr>
-              <a:t>not possible to modify the data </a:t>
-            </a:r>
-            <a:r>
-              <a:rPr lang="en-US" sz="2800" dirty="0"/>
               <a:t>and, transparently, the database</a:t>
             </a:r>
           </a:p>
           <a:p>
-            <a:pPr lvl="1"/>
-            <a:r>
-              <a:rPr lang="en-US" sz="2400" dirty="0"/>
+            <a:pPr lvl="2"/>
+            <a:r>
+              <a:rPr lang="en-US" sz="2000" dirty="0"/>
               <a:t>Data have to be manipulated in memory and stored back with another operation (</a:t>
             </a:r>
             <a:r>
-              <a:rPr lang="en-US" sz="2400" dirty="0" err="1">
+              <a:rPr lang="en-US" sz="2000" dirty="0" err="1">
                 <a:solidFill>
                   <a:schemeClr val="accent6">
                     <a:lumMod val="75000"/>
@@ -9014,7 +9022,7 @@
               <a:t>statement.executeUpdate</a:t>
             </a:r>
             <a:r>
-              <a:rPr lang="en-US" sz="2400" dirty="0">
+              <a:rPr lang="en-US" sz="2000" dirty="0">
                 <a:solidFill>
                   <a:schemeClr val="accent6">
                     <a:lumMod val="75000"/>
@@ -9024,7 +9032,7 @@
               <a:t>()</a:t>
             </a:r>
             <a:r>
-              <a:rPr lang="en-US" sz="2400" dirty="0"/>
+              <a:rPr lang="en-US" sz="2000" dirty="0"/>
               <a:t>)</a:t>
             </a:r>
           </a:p>
@@ -12056,7 +12064,7 @@
                 <a:latin typeface="Consolas"/>
                 <a:cs typeface="Consolas"/>
               </a:rPr>
-              <a:t>)</a:t>
+              <a:t>) </a:t>
             </a:r>
             <a:r>
               <a:rPr lang="en-US" sz="1900" dirty="0">
@@ -12066,7 +12074,7 @@
                 <a:latin typeface="Consolas"/>
                 <a:cs typeface="Consolas"/>
               </a:rPr>
-              <a:t>+",");</a:t>
+              <a:t>+ ",");</a:t>
             </a:r>
           </a:p>
           <a:p>
@@ -12224,7 +12232,7 @@
         <p:spPr/>
         <p:txBody>
           <a:bodyPr>
-            <a:normAutofit fontScale="92500" lnSpcReduction="20000"/>
+            <a:normAutofit lnSpcReduction="10000"/>
           </a:bodyPr>
           <a:lstStyle/>
           <a:p>
@@ -12234,16 +12242,14 @@
                   <a:srgbClr val="E46C0A"/>
                 </a:solidFill>
               </a:rPr>
-              <a:t>A transaction is a set of actions to be carried out as a single, atomic action. Either all of the actions are carried out, or none of them are.</a:t>
-            </a:r>
-          </a:p>
-          <a:p>
+              <a:t>A transaction is a set of actions to be performed atomically. Either all of the actions are carried out, or none of them are.</a:t>
+            </a:r>
             <a:endParaRPr lang="en-US" dirty="0"/>
           </a:p>
           <a:p>
             <a:r>
               <a:rPr lang="en-US" dirty="0"/>
-              <a:t>The classic example of when transactions are necessary is the example of bank accounts. You need to transfer $100 from one account to the other. You do so by subtracting $100 from the first account, and adding $100 to the second account. If this process fails after you have subtracted the $100 from the first bank account, the $100 are never added to the second bank account. The money is lost in cyber space.</a:t>
+              <a:t>The classic example of when transactions are necessary is the example of bank accounts. You need to transfer $100 from one account to the other. You do so by subtracting $100 from the first account and adding $100 to the second account. If this process fails after you have subtracted the $100 from the first bank account, the $100 is never added to the second bank account. The money is lost in cyberspace.</a:t>
             </a:r>
           </a:p>
         </p:txBody>
@@ -12336,7 +12342,9 @@
         </p:nvSpPr>
         <p:spPr/>
         <p:txBody>
-          <a:bodyPr/>
+          <a:bodyPr>
+            <a:normAutofit/>
+          </a:bodyPr>
           <a:lstStyle/>
           <a:p>
             <a:pPr>
@@ -12345,7 +12353,7 @@
               </a:lnSpc>
             </a:pPr>
             <a:r>
-              <a:rPr lang="en-US" sz="2100" dirty="0"/>
+              <a:rPr lang="en-US" sz="2800" dirty="0"/>
               <a:t>JDBC allows SQL statements to be grouped together into a single transaction</a:t>
             </a:r>
           </a:p>
@@ -12356,11 +12364,11 @@
               </a:lnSpc>
             </a:pPr>
             <a:r>
-              <a:rPr lang="en-US" sz="2100" dirty="0"/>
+              <a:rPr lang="en-US" sz="2800" dirty="0"/>
               <a:t>Transaction control is performed by the </a:t>
             </a:r>
             <a:r>
-              <a:rPr lang="en-US" sz="2100" dirty="0">
+              <a:rPr lang="en-US" sz="2800" dirty="0">
                 <a:solidFill>
                   <a:schemeClr val="accent6">
                     <a:lumMod val="75000"/>
@@ -12370,7 +12378,7 @@
               <a:t>Connection</a:t>
             </a:r>
             <a:r>
-              <a:rPr lang="en-US" sz="2100" dirty="0">
+              <a:rPr lang="en-US" sz="2800" dirty="0">
                 <a:solidFill>
                   <a:srgbClr val="F79646"/>
                 </a:solidFill>
@@ -12378,11 +12386,11 @@
               <a:t> </a:t>
             </a:r>
             <a:r>
-              <a:rPr lang="en-US" sz="2100" dirty="0"/>
+              <a:rPr lang="en-US" sz="2800" dirty="0"/>
               <a:t>object, </a:t>
             </a:r>
             <a:r>
-              <a:rPr lang="en-US" sz="2100" dirty="0">
+              <a:rPr lang="en-US" sz="2800" dirty="0">
                 <a:solidFill>
                   <a:schemeClr val="accent6">
                     <a:lumMod val="75000"/>
@@ -12392,7 +12400,7 @@
               <a:t>default mode is auto-commit, i.e., each </a:t>
             </a:r>
             <a:r>
-              <a:rPr lang="en-US" sz="2100" dirty="0" err="1">
+              <a:rPr lang="en-US" sz="2800" dirty="0" err="1">
                 <a:solidFill>
                   <a:schemeClr val="accent6">
                     <a:lumMod val="75000"/>
@@ -12402,7 +12410,7 @@
               <a:t>sql</a:t>
             </a:r>
             <a:r>
-              <a:rPr lang="en-US" sz="2100" dirty="0">
+              <a:rPr lang="en-US" sz="2800" dirty="0">
                 <a:solidFill>
                   <a:schemeClr val="accent6">
                     <a:lumMod val="75000"/>
@@ -12419,11 +12427,11 @@
               </a:lnSpc>
             </a:pPr>
             <a:r>
-              <a:rPr lang="en-US" sz="2100" dirty="0"/>
+              <a:rPr lang="en-US" sz="2800" dirty="0"/>
               <a:t>We can turn off the auto-commit mode with </a:t>
             </a:r>
             <a:r>
-              <a:rPr lang="en-US" sz="2100" dirty="0" err="1">
+              <a:rPr lang="en-US" sz="2800" dirty="0" err="1">
                 <a:solidFill>
                   <a:srgbClr val="E46C0A"/>
                 </a:solidFill>
@@ -12431,7 +12439,7 @@
               <a:t>connection.setAutoCommit</a:t>
             </a:r>
             <a:r>
-              <a:rPr lang="en-US" sz="2100" dirty="0">
+              <a:rPr lang="en-US" sz="2800" dirty="0">
                 <a:solidFill>
                   <a:srgbClr val="E46C0A"/>
                 </a:solidFill>
@@ -12446,11 +12454,11 @@
               </a:lnSpc>
             </a:pPr>
             <a:r>
-              <a:rPr lang="en-US" sz="2100" dirty="0"/>
+              <a:rPr lang="en-US" sz="2800" dirty="0"/>
               <a:t>And turn it back on with </a:t>
             </a:r>
             <a:r>
-              <a:rPr lang="en-US" sz="2100" dirty="0" err="1">
+              <a:rPr lang="en-US" sz="2800" dirty="0" err="1">
                 <a:solidFill>
                   <a:srgbClr val="E46C0A"/>
                 </a:solidFill>
@@ -12458,7 +12466,7 @@
               <a:t>connection.setAutoCommit</a:t>
             </a:r>
             <a:r>
-              <a:rPr lang="en-US" sz="2100" dirty="0">
+              <a:rPr lang="en-US" sz="2800" dirty="0">
                 <a:solidFill>
                   <a:srgbClr val="E46C0A"/>
                 </a:solidFill>
@@ -12473,7 +12481,7 @@
               </a:lnSpc>
             </a:pPr>
             <a:r>
-              <a:rPr lang="en-US" sz="2100" dirty="0">
+              <a:rPr lang="en-US" sz="2800" dirty="0">
                 <a:solidFill>
                   <a:srgbClr val="E46C0A"/>
                 </a:solidFill>
@@ -12481,7 +12489,7 @@
               <a:t>Once auto-commit is off, no SQL statement will be committed until an explicit is invoked </a:t>
             </a:r>
             <a:r>
-              <a:rPr lang="en-US" sz="2100" dirty="0" err="1">
+              <a:rPr lang="en-US" sz="2800" dirty="0" err="1">
                 <a:solidFill>
                   <a:srgbClr val="E46C0A"/>
                 </a:solidFill>
@@ -12489,7 +12497,7 @@
               <a:t>connection.commit</a:t>
             </a:r>
             <a:r>
-              <a:rPr lang="en-US" sz="2100" dirty="0">
+              <a:rPr lang="en-US" sz="2800" dirty="0">
                 <a:solidFill>
                   <a:srgbClr val="E46C0A"/>
                 </a:solidFill>
@@ -12497,12 +12505,8 @@
               <a:t>(). </a:t>
             </a:r>
             <a:r>
-              <a:rPr lang="en-US" sz="2100" dirty="0"/>
-              <a:t>At this point all changes done by the SQL statements will be made permanent in the database.</a:t>
-            </a:r>
-            <a:r>
-              <a:rPr lang="en-US" sz="2600" dirty="0"/>
-              <a:t> </a:t>
+              <a:rPr lang="en-US" sz="2800" dirty="0"/>
+              <a:t>At this point all changes done by the SQL statements will be made permanent in the database. </a:t>
             </a:r>
           </a:p>
         </p:txBody>
@@ -14928,8 +14932,9 @@
                   </a:schemeClr>
                 </a:solidFill>
               </a:rPr>
-              <a:t>Drivers are Java binary classes (.class files) usually packaged in a single .jar archive and have be included into the CLASSPATH</a:t>
-            </a:r>
+              <a:t>Drivers are Java binary classes (.class files) usually packaged in a single .jar archive and have to be included in the CLASSPATH</a:t>
+            </a:r>
+            <a:endParaRPr lang="en-US" sz="2600" dirty="0"/>
           </a:p>
         </p:txBody>
       </p:sp>

--- a/java/slides/ppt/10 - Java Data Access (JDBC).pptx
+++ b/java/slides/ppt/10 - Java Data Access (JDBC).pptx
@@ -268,7 +268,7 @@
           <a:p>
             <a:fld id="{5591E39A-28E5-5D4D-B97C-ECEB96F19817}" type="datetimeFigureOut">
               <a:rPr lang="en-IT" smtClean="0"/>
-              <a:t>20/04/22</a:t>
+              <a:t>21/04/22</a:t>
             </a:fld>
             <a:endParaRPr lang="en-IT"/>
           </a:p>
@@ -447,7 +447,7 @@
             <a:fld id="{BAEB7694-8561-4BE2-948D-EDF7A201F8BB}" type="datetimeFigureOut">
               <a:rPr lang="it-IT" smtClean="0"/>
               <a:pPr/>
-              <a:t>20/04/22</a:t>
+              <a:t>21/04/22</a:t>
             </a:fld>
             <a:endParaRPr lang="it-IT"/>
           </a:p>
@@ -775,7 +775,7 @@
           <a:ln/>
           <a:extLst>
             <a:ext uri="{FAA26D3D-D897-4be2-8F04-BA451C77F1D7}">
-              <ma14:placeholderFlag xmlns:ma14="http://schemas.microsoft.com/office/mac/drawingml/2011/main" xmlns="" val="1"/>
+              <ma14:placeholderFlag xmlns="" xmlns:ma14="http://schemas.microsoft.com/office/mac/drawingml/2011/main" val="1"/>
             </a:ext>
           </a:extLst>
         </p:spPr>
@@ -864,7 +864,7 @@
           <a:ln/>
           <a:extLst>
             <a:ext uri="{FAA26D3D-D897-4be2-8F04-BA451C77F1D7}">
-              <ma14:placeholderFlag xmlns:ma14="http://schemas.microsoft.com/office/mac/drawingml/2011/main" xmlns="" val="1"/>
+              <ma14:placeholderFlag xmlns="" xmlns:ma14="http://schemas.microsoft.com/office/mac/drawingml/2011/main" val="1"/>
             </a:ext>
           </a:extLst>
         </p:spPr>
@@ -953,7 +953,7 @@
           <a:ln/>
           <a:extLst>
             <a:ext uri="{FAA26D3D-D897-4be2-8F04-BA451C77F1D7}">
-              <ma14:placeholderFlag xmlns:ma14="http://schemas.microsoft.com/office/mac/drawingml/2011/main" xmlns="" val="1"/>
+              <ma14:placeholderFlag xmlns="" xmlns:ma14="http://schemas.microsoft.com/office/mac/drawingml/2011/main" val="1"/>
             </a:ext>
           </a:extLst>
         </p:spPr>
@@ -8998,7 +8998,7 @@
                   <a:srgbClr val="E46C0A"/>
                 </a:solidFill>
               </a:rPr>
-              <a:t>not possible to modify the data </a:t>
+              <a:t>not possible to modify the data with dedicated methods </a:t>
             </a:r>
             <a:r>
               <a:rPr lang="en-US" sz="2400" dirty="0"/>
